--- a/说明文档相关资料/示意图.pptx
+++ b/说明文档相关资料/示意图.pptx
@@ -7,8 +7,7 @@
   <p:sldIdLst>
     <p:sldId id="256" r:id="rId2"/>
     <p:sldId id="257" r:id="rId3"/>
-    <p:sldId id="258" r:id="rId4"/>
-    <p:sldId id="259" r:id="rId5"/>
+    <p:sldId id="259" r:id="rId4"/>
   </p:sldIdLst>
   <p:sldSz cx="12192000" cy="6858000"/>
   <p:notesSz cx="6858000" cy="9144000"/>
@@ -262,7 +261,7 @@
           <a:p>
             <a:fld id="{F794B9DD-52D2-4AEF-AA22-614EB11D4C20}" type="datetimeFigureOut">
               <a:rPr lang="zh-CN" altLang="en-US" smtClean="0"/>
-              <a:t>2019/5/4</a:t>
+              <a:t>2019/5/15</a:t>
             </a:fld>
             <a:endParaRPr lang="zh-CN" altLang="en-US"/>
           </a:p>
@@ -460,7 +459,7 @@
           <a:p>
             <a:fld id="{F794B9DD-52D2-4AEF-AA22-614EB11D4C20}" type="datetimeFigureOut">
               <a:rPr lang="zh-CN" altLang="en-US" smtClean="0"/>
-              <a:t>2019/5/4</a:t>
+              <a:t>2019/5/15</a:t>
             </a:fld>
             <a:endParaRPr lang="zh-CN" altLang="en-US"/>
           </a:p>
@@ -668,7 +667,7 @@
           <a:p>
             <a:fld id="{F794B9DD-52D2-4AEF-AA22-614EB11D4C20}" type="datetimeFigureOut">
               <a:rPr lang="zh-CN" altLang="en-US" smtClean="0"/>
-              <a:t>2019/5/4</a:t>
+              <a:t>2019/5/15</a:t>
             </a:fld>
             <a:endParaRPr lang="zh-CN" altLang="en-US"/>
           </a:p>
@@ -866,7 +865,7 @@
           <a:p>
             <a:fld id="{F794B9DD-52D2-4AEF-AA22-614EB11D4C20}" type="datetimeFigureOut">
               <a:rPr lang="zh-CN" altLang="en-US" smtClean="0"/>
-              <a:t>2019/5/4</a:t>
+              <a:t>2019/5/15</a:t>
             </a:fld>
             <a:endParaRPr lang="zh-CN" altLang="en-US"/>
           </a:p>
@@ -1141,7 +1140,7 @@
           <a:p>
             <a:fld id="{F794B9DD-52D2-4AEF-AA22-614EB11D4C20}" type="datetimeFigureOut">
               <a:rPr lang="zh-CN" altLang="en-US" smtClean="0"/>
-              <a:t>2019/5/4</a:t>
+              <a:t>2019/5/15</a:t>
             </a:fld>
             <a:endParaRPr lang="zh-CN" altLang="en-US"/>
           </a:p>
@@ -1406,7 +1405,7 @@
           <a:p>
             <a:fld id="{F794B9DD-52D2-4AEF-AA22-614EB11D4C20}" type="datetimeFigureOut">
               <a:rPr lang="zh-CN" altLang="en-US" smtClean="0"/>
-              <a:t>2019/5/4</a:t>
+              <a:t>2019/5/15</a:t>
             </a:fld>
             <a:endParaRPr lang="zh-CN" altLang="en-US"/>
           </a:p>
@@ -1818,7 +1817,7 @@
           <a:p>
             <a:fld id="{F794B9DD-52D2-4AEF-AA22-614EB11D4C20}" type="datetimeFigureOut">
               <a:rPr lang="zh-CN" altLang="en-US" smtClean="0"/>
-              <a:t>2019/5/4</a:t>
+              <a:t>2019/5/15</a:t>
             </a:fld>
             <a:endParaRPr lang="zh-CN" altLang="en-US"/>
           </a:p>
@@ -1959,7 +1958,7 @@
           <a:p>
             <a:fld id="{F794B9DD-52D2-4AEF-AA22-614EB11D4C20}" type="datetimeFigureOut">
               <a:rPr lang="zh-CN" altLang="en-US" smtClean="0"/>
-              <a:t>2019/5/4</a:t>
+              <a:t>2019/5/15</a:t>
             </a:fld>
             <a:endParaRPr lang="zh-CN" altLang="en-US"/>
           </a:p>
@@ -2072,7 +2071,7 @@
           <a:p>
             <a:fld id="{F794B9DD-52D2-4AEF-AA22-614EB11D4C20}" type="datetimeFigureOut">
               <a:rPr lang="zh-CN" altLang="en-US" smtClean="0"/>
-              <a:t>2019/5/4</a:t>
+              <a:t>2019/5/15</a:t>
             </a:fld>
             <a:endParaRPr lang="zh-CN" altLang="en-US"/>
           </a:p>
@@ -2383,7 +2382,7 @@
           <a:p>
             <a:fld id="{F794B9DD-52D2-4AEF-AA22-614EB11D4C20}" type="datetimeFigureOut">
               <a:rPr lang="zh-CN" altLang="en-US" smtClean="0"/>
-              <a:t>2019/5/4</a:t>
+              <a:t>2019/5/15</a:t>
             </a:fld>
             <a:endParaRPr lang="zh-CN" altLang="en-US"/>
           </a:p>
@@ -2671,7 +2670,7 @@
           <a:p>
             <a:fld id="{F794B9DD-52D2-4AEF-AA22-614EB11D4C20}" type="datetimeFigureOut">
               <a:rPr lang="zh-CN" altLang="en-US" smtClean="0"/>
-              <a:t>2019/5/4</a:t>
+              <a:t>2019/5/15</a:t>
             </a:fld>
             <a:endParaRPr lang="zh-CN" altLang="en-US"/>
           </a:p>
@@ -2912,7 +2911,7 @@
           <a:p>
             <a:fld id="{F794B9DD-52D2-4AEF-AA22-614EB11D4C20}" type="datetimeFigureOut">
               <a:rPr lang="zh-CN" altLang="en-US" smtClean="0"/>
-              <a:t>2019/5/4</a:t>
+              <a:t>2019/5/15</a:t>
             </a:fld>
             <a:endParaRPr lang="zh-CN" altLang="en-US"/>
           </a:p>
@@ -4629,7 +4628,7 @@
           <p:cNvPr id="4" name="矩形: 圆角 3">
             <a:extLst>
               <a:ext uri="{FF2B5EF4-FFF2-40B4-BE49-F238E27FC236}">
-                <a16:creationId xmlns:a16="http://schemas.microsoft.com/office/drawing/2014/main" id="{A9C6CA70-CC76-4BA3-9354-6AA0980182C3}"/>
+                <a16:creationId xmlns:a16="http://schemas.microsoft.com/office/drawing/2014/main" id="{6E6590E5-84C4-4490-B1EC-F822E3D4ABA0}"/>
               </a:ext>
             </a:extLst>
           </p:cNvPr>
@@ -4638,1005 +4637,7 @@
         </p:nvSpPr>
         <p:spPr>
           <a:xfrm>
-            <a:off x="1079989" y="615517"/>
-            <a:ext cx="3272204" cy="6101806"/>
-          </a:xfrm>
-          <a:prstGeom prst="roundRect">
-            <a:avLst/>
-          </a:prstGeom>
-          <a:noFill/>
-          <a:ln w="19050"/>
-        </p:spPr>
-        <p:style>
-          <a:lnRef idx="2">
-            <a:schemeClr val="accent1">
-              <a:shade val="50000"/>
-            </a:schemeClr>
-          </a:lnRef>
-          <a:fillRef idx="1">
-            <a:schemeClr val="accent1"/>
-          </a:fillRef>
-          <a:effectRef idx="0">
-            <a:schemeClr val="accent1"/>
-          </a:effectRef>
-          <a:fontRef idx="minor">
-            <a:schemeClr val="lt1"/>
-          </a:fontRef>
-        </p:style>
-        <p:txBody>
-          <a:bodyPr rtlCol="0" anchor="ctr"/>
-          <a:lstStyle/>
-          <a:p>
-            <a:pPr algn="ctr"/>
-            <a:endParaRPr lang="zh-CN" altLang="en-US"/>
-          </a:p>
-        </p:txBody>
-      </p:sp>
-      <p:sp>
-        <p:nvSpPr>
-          <p:cNvPr id="5" name="文本框 4">
-            <a:extLst>
-              <a:ext uri="{FF2B5EF4-FFF2-40B4-BE49-F238E27FC236}">
-                <a16:creationId xmlns:a16="http://schemas.microsoft.com/office/drawing/2014/main" id="{454735EA-815C-4A12-8506-A34F76FA7700}"/>
-              </a:ext>
-            </a:extLst>
-          </p:cNvPr>
-          <p:cNvSpPr txBox="1"/>
-          <p:nvPr/>
-        </p:nvSpPr>
-        <p:spPr>
-          <a:xfrm>
-            <a:off x="5041865" y="70339"/>
-            <a:ext cx="2108269" cy="369332"/>
-          </a:xfrm>
-          <a:prstGeom prst="rect">
-            <a:avLst/>
-          </a:prstGeom>
-          <a:noFill/>
-        </p:spPr>
-        <p:txBody>
-          <a:bodyPr wrap="none" rtlCol="0">
-            <a:spAutoFit/>
-          </a:bodyPr>
-          <a:lstStyle/>
-          <a:p>
-            <a:r>
-              <a:rPr lang="en-US" altLang="zh-CN" dirty="0"/>
-              <a:t>Database </a:t>
-            </a:r>
-            <a:r>
-              <a:rPr lang="en-US" altLang="zh-CN" dirty="0" err="1"/>
-              <a:t>Controler</a:t>
-            </a:r>
-            <a:endParaRPr lang="zh-CN" altLang="en-US" dirty="0"/>
-          </a:p>
-        </p:txBody>
-      </p:sp>
-      <p:sp>
-        <p:nvSpPr>
-          <p:cNvPr id="6" name="文本框 5">
-            <a:extLst>
-              <a:ext uri="{FF2B5EF4-FFF2-40B4-BE49-F238E27FC236}">
-                <a16:creationId xmlns:a16="http://schemas.microsoft.com/office/drawing/2014/main" id="{4D881298-F24D-4983-A3DC-6F9C41683280}"/>
-              </a:ext>
-            </a:extLst>
-          </p:cNvPr>
-          <p:cNvSpPr txBox="1"/>
-          <p:nvPr/>
-        </p:nvSpPr>
-        <p:spPr>
-          <a:xfrm>
-            <a:off x="2391322" y="747346"/>
-            <a:ext cx="649537" cy="369332"/>
-          </a:xfrm>
-          <a:prstGeom prst="rect">
-            <a:avLst/>
-          </a:prstGeom>
-          <a:noFill/>
-        </p:spPr>
-        <p:txBody>
-          <a:bodyPr wrap="none" rtlCol="0">
-            <a:spAutoFit/>
-          </a:bodyPr>
-          <a:lstStyle/>
-          <a:p>
-            <a:r>
-              <a:rPr lang="en-US" altLang="zh-CN" dirty="0"/>
-              <a:t>Field</a:t>
-            </a:r>
-            <a:endParaRPr lang="zh-CN" altLang="en-US" dirty="0"/>
-          </a:p>
-        </p:txBody>
-      </p:sp>
-      <p:sp>
-        <p:nvSpPr>
-          <p:cNvPr id="7" name="文本框 6">
-            <a:extLst>
-              <a:ext uri="{FF2B5EF4-FFF2-40B4-BE49-F238E27FC236}">
-                <a16:creationId xmlns:a16="http://schemas.microsoft.com/office/drawing/2014/main" id="{C5EC6C8C-13E6-48E3-9889-E63AA7855080}"/>
-              </a:ext>
-            </a:extLst>
-          </p:cNvPr>
-          <p:cNvSpPr txBox="1"/>
-          <p:nvPr/>
-        </p:nvSpPr>
-        <p:spPr>
-          <a:xfrm>
-            <a:off x="1332764" y="1248507"/>
-            <a:ext cx="2481770" cy="3693319"/>
-          </a:xfrm>
-          <a:prstGeom prst="rect">
-            <a:avLst/>
-          </a:prstGeom>
-          <a:noFill/>
-        </p:spPr>
-        <p:txBody>
-          <a:bodyPr wrap="none" rtlCol="0">
-            <a:spAutoFit/>
-          </a:bodyPr>
-          <a:lstStyle/>
-          <a:p>
-            <a:r>
-              <a:rPr lang="en-US" altLang="zh-CN" dirty="0"/>
-              <a:t>String </a:t>
-            </a:r>
-            <a:r>
-              <a:rPr lang="en-US" altLang="zh-CN" dirty="0" err="1"/>
-              <a:t>url</a:t>
-            </a:r>
-            <a:endParaRPr lang="en-US" altLang="zh-CN" dirty="0"/>
-          </a:p>
-          <a:p>
-            <a:r>
-              <a:rPr lang="zh-CN" altLang="en-US" dirty="0"/>
-              <a:t>目标数据库的</a:t>
-            </a:r>
-            <a:r>
-              <a:rPr lang="en-US" altLang="zh-CN" dirty="0" err="1"/>
-              <a:t>url</a:t>
-            </a:r>
-            <a:endParaRPr lang="en-US" altLang="zh-CN" dirty="0"/>
-          </a:p>
-          <a:p>
-            <a:r>
-              <a:rPr lang="en-US" altLang="zh-CN" dirty="0"/>
-              <a:t>String username</a:t>
-            </a:r>
-          </a:p>
-          <a:p>
-            <a:r>
-              <a:rPr lang="zh-CN" altLang="en-US" dirty="0"/>
-              <a:t>数据库用户名</a:t>
-            </a:r>
-            <a:endParaRPr lang="en-US" altLang="zh-CN" dirty="0"/>
-          </a:p>
-          <a:p>
-            <a:r>
-              <a:rPr lang="en-US" altLang="zh-CN" dirty="0"/>
-              <a:t>String password</a:t>
-            </a:r>
-          </a:p>
-          <a:p>
-            <a:r>
-              <a:rPr lang="zh-CN" altLang="en-US" dirty="0"/>
-              <a:t>密码</a:t>
-            </a:r>
-            <a:endParaRPr lang="en-US" altLang="zh-CN" dirty="0"/>
-          </a:p>
-          <a:p>
-            <a:r>
-              <a:rPr lang="en-US" altLang="zh-CN" dirty="0"/>
-              <a:t>String </a:t>
-            </a:r>
-            <a:r>
-              <a:rPr lang="en-US" altLang="zh-CN" dirty="0" err="1"/>
-              <a:t>dbname</a:t>
-            </a:r>
-            <a:endParaRPr lang="en-US" altLang="zh-CN" dirty="0"/>
-          </a:p>
-          <a:p>
-            <a:r>
-              <a:rPr lang="zh-CN" altLang="en-US" dirty="0"/>
-              <a:t>数据库名</a:t>
-            </a:r>
-            <a:endParaRPr lang="en-US" altLang="zh-CN" dirty="0"/>
-          </a:p>
-          <a:p>
-            <a:endParaRPr lang="en-US" altLang="zh-CN" dirty="0"/>
-          </a:p>
-          <a:p>
-            <a:r>
-              <a:rPr lang="en-US" altLang="zh-CN" dirty="0"/>
-              <a:t>Connection </a:t>
-            </a:r>
-            <a:r>
-              <a:rPr lang="en-US" altLang="zh-CN" dirty="0" err="1"/>
-              <a:t>connection</a:t>
-            </a:r>
-            <a:endParaRPr lang="en-US" altLang="zh-CN" dirty="0"/>
-          </a:p>
-          <a:p>
-            <a:r>
-              <a:rPr lang="zh-CN" altLang="en-US" dirty="0"/>
-              <a:t>与数据库建立的连接</a:t>
-            </a:r>
-            <a:endParaRPr lang="en-US" altLang="zh-CN" dirty="0"/>
-          </a:p>
-          <a:p>
-            <a:r>
-              <a:rPr lang="en-US" altLang="zh-CN" dirty="0"/>
-              <a:t>Statement </a:t>
-            </a:r>
-            <a:r>
-              <a:rPr lang="en-US" altLang="zh-CN" dirty="0" err="1"/>
-              <a:t>statement</a:t>
-            </a:r>
-            <a:endParaRPr lang="en-US" altLang="zh-CN" dirty="0"/>
-          </a:p>
-          <a:p>
-            <a:r>
-              <a:rPr lang="zh-CN" altLang="en-US" dirty="0"/>
-              <a:t>数据库状态声明</a:t>
-            </a:r>
-          </a:p>
-        </p:txBody>
-      </p:sp>
-      <p:grpSp>
-        <p:nvGrpSpPr>
-          <p:cNvPr id="11" name="组合 10">
-            <a:extLst>
-              <a:ext uri="{FF2B5EF4-FFF2-40B4-BE49-F238E27FC236}">
-                <a16:creationId xmlns:a16="http://schemas.microsoft.com/office/drawing/2014/main" id="{A7144140-F86C-4F29-A237-412BB7F1C6D3}"/>
-              </a:ext>
-            </a:extLst>
-          </p:cNvPr>
-          <p:cNvGrpSpPr/>
-          <p:nvPr/>
-        </p:nvGrpSpPr>
-        <p:grpSpPr>
-          <a:xfrm>
-            <a:off x="4604968" y="615517"/>
-            <a:ext cx="3272204" cy="6101806"/>
-            <a:chOff x="7738814" y="615517"/>
-            <a:chExt cx="3272204" cy="6101806"/>
-          </a:xfrm>
-        </p:grpSpPr>
-        <p:sp>
-          <p:nvSpPr>
-            <p:cNvPr id="8" name="矩形: 圆角 7">
-              <a:extLst>
-                <a:ext uri="{FF2B5EF4-FFF2-40B4-BE49-F238E27FC236}">
-                  <a16:creationId xmlns:a16="http://schemas.microsoft.com/office/drawing/2014/main" id="{EB04A89F-07B2-4EA4-B8AD-12B107E24F97}"/>
-                </a:ext>
-              </a:extLst>
-            </p:cNvPr>
-            <p:cNvSpPr/>
-            <p:nvPr/>
-          </p:nvSpPr>
-          <p:spPr>
-            <a:xfrm>
-              <a:off x="7738814" y="615517"/>
-              <a:ext cx="3272204" cy="6101806"/>
-            </a:xfrm>
-            <a:prstGeom prst="roundRect">
-              <a:avLst/>
-            </a:prstGeom>
-            <a:noFill/>
-            <a:ln w="19050"/>
-          </p:spPr>
-          <p:style>
-            <a:lnRef idx="2">
-              <a:schemeClr val="accent1">
-                <a:shade val="50000"/>
-              </a:schemeClr>
-            </a:lnRef>
-            <a:fillRef idx="1">
-              <a:schemeClr val="accent1"/>
-            </a:fillRef>
-            <a:effectRef idx="0">
-              <a:schemeClr val="accent1"/>
-            </a:effectRef>
-            <a:fontRef idx="minor">
-              <a:schemeClr val="lt1"/>
-            </a:fontRef>
-          </p:style>
-          <p:txBody>
-            <a:bodyPr rtlCol="0" anchor="ctr"/>
-            <a:lstStyle/>
-            <a:p>
-              <a:pPr algn="ctr"/>
-              <a:endParaRPr lang="zh-CN" altLang="en-US"/>
-            </a:p>
-          </p:txBody>
-        </p:sp>
-        <p:sp>
-          <p:nvSpPr>
-            <p:cNvPr id="9" name="文本框 8">
-              <a:extLst>
-                <a:ext uri="{FF2B5EF4-FFF2-40B4-BE49-F238E27FC236}">
-                  <a16:creationId xmlns:a16="http://schemas.microsoft.com/office/drawing/2014/main" id="{FA243A70-27D7-4798-ADE6-B572F3253546}"/>
-                </a:ext>
-              </a:extLst>
-            </p:cNvPr>
-            <p:cNvSpPr txBox="1"/>
-            <p:nvPr/>
-          </p:nvSpPr>
-          <p:spPr>
-            <a:xfrm>
-              <a:off x="8889847" y="747346"/>
-              <a:ext cx="970137" cy="369332"/>
-            </a:xfrm>
-            <a:prstGeom prst="rect">
-              <a:avLst/>
-            </a:prstGeom>
-            <a:noFill/>
-          </p:spPr>
-          <p:txBody>
-            <a:bodyPr wrap="none" rtlCol="0">
-              <a:spAutoFit/>
-            </a:bodyPr>
-            <a:lstStyle/>
-            <a:p>
-              <a:r>
-                <a:rPr lang="en-US" altLang="zh-CN" dirty="0"/>
-                <a:t>Method</a:t>
-              </a:r>
-              <a:endParaRPr lang="zh-CN" altLang="en-US" dirty="0"/>
-            </a:p>
-          </p:txBody>
-        </p:sp>
-        <p:sp>
-          <p:nvSpPr>
-            <p:cNvPr id="10" name="文本框 9">
-              <a:extLst>
-                <a:ext uri="{FF2B5EF4-FFF2-40B4-BE49-F238E27FC236}">
-                  <a16:creationId xmlns:a16="http://schemas.microsoft.com/office/drawing/2014/main" id="{2F32CA83-BD04-469A-AF43-4405CE518E30}"/>
-                </a:ext>
-              </a:extLst>
-            </p:cNvPr>
-            <p:cNvSpPr txBox="1"/>
-            <p:nvPr/>
-          </p:nvSpPr>
-          <p:spPr>
-            <a:xfrm>
-              <a:off x="7902475" y="1134318"/>
-              <a:ext cx="3108543" cy="5447645"/>
-            </a:xfrm>
-            <a:prstGeom prst="rect">
-              <a:avLst/>
-            </a:prstGeom>
-            <a:noFill/>
-          </p:spPr>
-          <p:txBody>
-            <a:bodyPr wrap="none" rtlCol="0">
-              <a:spAutoFit/>
-            </a:bodyPr>
-            <a:lstStyle/>
-            <a:p>
-              <a:r>
-                <a:rPr lang="en-US" altLang="zh-CN" sz="1200" dirty="0"/>
-                <a:t>Constructor:</a:t>
-              </a:r>
-            </a:p>
-            <a:p>
-              <a:r>
-                <a:rPr lang="en-US" altLang="zh-CN" sz="1200" dirty="0" err="1"/>
-                <a:t>DatabaseControler</a:t>
-              </a:r>
-              <a:r>
-                <a:rPr lang="en-US" altLang="zh-CN" sz="1200" dirty="0"/>
-                <a:t>()</a:t>
-              </a:r>
-            </a:p>
-            <a:p>
-              <a:r>
-                <a:rPr lang="zh-CN" altLang="en-US" sz="1200" dirty="0"/>
-                <a:t>默认构造方法</a:t>
-              </a:r>
-              <a:r>
-                <a:rPr lang="en-US" altLang="zh-CN" sz="1200" dirty="0"/>
-                <a:t>,</a:t>
-              </a:r>
-              <a:r>
-                <a:rPr lang="zh-CN" altLang="en-US" sz="1200" dirty="0"/>
-                <a:t>设置</a:t>
-              </a:r>
-              <a:endParaRPr lang="en-US" altLang="zh-CN" sz="1200" dirty="0"/>
-            </a:p>
-            <a:p>
-              <a:r>
-                <a:rPr lang="en-US" altLang="zh-CN" sz="1200" dirty="0" err="1"/>
-                <a:t>Dbname</a:t>
-              </a:r>
-              <a:r>
-                <a:rPr lang="en-US" altLang="zh-CN" sz="1200" dirty="0"/>
-                <a:t> = </a:t>
-              </a:r>
-              <a:r>
-                <a:rPr lang="en-US" altLang="zh-CN" sz="1200" dirty="0" err="1"/>
-                <a:t>mydb</a:t>
-              </a:r>
-              <a:r>
-                <a:rPr lang="en-US" altLang="zh-CN" sz="1200" dirty="0"/>
-                <a:t>,</a:t>
-              </a:r>
-              <a:r>
-                <a:rPr lang="zh-CN" altLang="en-US" sz="1200" dirty="0"/>
-                <a:t> </a:t>
-              </a:r>
-              <a:r>
-                <a:rPr lang="en-US" altLang="zh-CN" sz="1200" dirty="0"/>
-                <a:t>username</a:t>
-              </a:r>
-              <a:r>
-                <a:rPr lang="zh-CN" altLang="en-US" sz="1200" dirty="0"/>
-                <a:t> </a:t>
-              </a:r>
-              <a:r>
-                <a:rPr lang="en-US" altLang="zh-CN" sz="1200" dirty="0"/>
-                <a:t>= root,</a:t>
-              </a:r>
-            </a:p>
-            <a:p>
-              <a:r>
-                <a:rPr lang="en-US" altLang="zh-CN" sz="1200" dirty="0"/>
-                <a:t>Password = root, </a:t>
-              </a:r>
-              <a:r>
-                <a:rPr lang="en-US" altLang="zh-CN" sz="1200" dirty="0" err="1"/>
-                <a:t>url</a:t>
-              </a:r>
-              <a:r>
-                <a:rPr lang="en-US" altLang="zh-CN" sz="1200" dirty="0"/>
-                <a:t> = </a:t>
-              </a:r>
-              <a:r>
-                <a:rPr lang="en-US" altLang="zh-CN" sz="1200" dirty="0" err="1"/>
-                <a:t>localhost+dbname</a:t>
-              </a:r>
-              <a:endParaRPr lang="en-US" altLang="zh-CN" sz="1200" dirty="0"/>
-            </a:p>
-            <a:p>
-              <a:endParaRPr lang="en-US" altLang="zh-CN" sz="1200" dirty="0"/>
-            </a:p>
-            <a:p>
-              <a:r>
-                <a:rPr lang="en-US" altLang="zh-CN" sz="1200" dirty="0" err="1"/>
-                <a:t>DatabaseControler</a:t>
-              </a:r>
-              <a:r>
-                <a:rPr lang="en-US" altLang="zh-CN" sz="1200" dirty="0"/>
-                <a:t>(</a:t>
-              </a:r>
-              <a:r>
-                <a:rPr lang="en-US" altLang="zh-CN" sz="1200" dirty="0" err="1"/>
-                <a:t>dbname,url,username</a:t>
-              </a:r>
-              <a:r>
-                <a:rPr lang="en-US" altLang="zh-CN" sz="1200" dirty="0"/>
-                <a:t>,</a:t>
-              </a:r>
-            </a:p>
-            <a:p>
-              <a:r>
-                <a:rPr lang="en-US" altLang="zh-CN" sz="1200" dirty="0"/>
-                <a:t>password)</a:t>
-              </a:r>
-            </a:p>
-            <a:p>
-              <a:r>
-                <a:rPr lang="zh-CN" altLang="en-US" sz="1200" dirty="0"/>
-                <a:t>连接指定的数据库</a:t>
-              </a:r>
-              <a:endParaRPr lang="en-US" altLang="zh-CN" sz="1200" dirty="0"/>
-            </a:p>
-            <a:p>
-              <a:r>
-                <a:rPr lang="en-US" altLang="zh-CN" sz="1200" dirty="0"/>
-                <a:t>------------------------------------</a:t>
-              </a:r>
-            </a:p>
-            <a:p>
-              <a:r>
-                <a:rPr lang="en-US" altLang="zh-CN" sz="1200" dirty="0">
-                  <a:solidFill>
-                    <a:srgbClr val="FF0000"/>
-                  </a:solidFill>
-                </a:rPr>
-                <a:t>Query Method</a:t>
-              </a:r>
-            </a:p>
-            <a:p>
-              <a:r>
-                <a:rPr lang="zh-CN" altLang="en-US" sz="1200" dirty="0">
-                  <a:solidFill>
-                    <a:srgbClr val="FF0000"/>
-                  </a:solidFill>
-                </a:rPr>
-                <a:t>这个部分实现查询的接口</a:t>
-              </a:r>
-              <a:endParaRPr lang="en-US" altLang="zh-CN" sz="1200" dirty="0">
-                <a:solidFill>
-                  <a:srgbClr val="FF0000"/>
-                </a:solidFill>
-              </a:endParaRPr>
-            </a:p>
-            <a:p>
-              <a:r>
-                <a:rPr lang="en-US" altLang="zh-CN" sz="1200" dirty="0"/>
-                <a:t>------------------------------------</a:t>
-              </a:r>
-            </a:p>
-            <a:p>
-              <a:r>
-                <a:rPr lang="en-US" altLang="zh-CN" sz="1200" dirty="0" err="1"/>
-                <a:t>ResultSet</a:t>
-              </a:r>
-              <a:r>
-                <a:rPr lang="en-US" altLang="zh-CN" sz="1200" dirty="0"/>
-                <a:t> query(String </a:t>
-              </a:r>
-              <a:r>
-                <a:rPr lang="en-US" altLang="zh-CN" sz="1200" dirty="0" err="1"/>
-                <a:t>sql</a:t>
-              </a:r>
-              <a:r>
-                <a:rPr lang="en-US" altLang="zh-CN" sz="1200" dirty="0"/>
-                <a:t>)</a:t>
-              </a:r>
-            </a:p>
-            <a:p>
-              <a:r>
-                <a:rPr lang="zh-CN" altLang="en-US" sz="1200" dirty="0"/>
-                <a:t>调用</a:t>
-              </a:r>
-              <a:r>
-                <a:rPr lang="en-US" altLang="zh-CN" sz="1200" dirty="0"/>
-                <a:t>query</a:t>
-              </a:r>
-              <a:r>
-                <a:rPr lang="zh-CN" altLang="en-US" sz="1200" dirty="0"/>
-                <a:t>方法</a:t>
-              </a:r>
-              <a:r>
-                <a:rPr lang="en-US" altLang="zh-CN" sz="1200" dirty="0"/>
-                <a:t>,</a:t>
-              </a:r>
-              <a:r>
-                <a:rPr lang="zh-CN" altLang="en-US" sz="1200" dirty="0"/>
-                <a:t>传入</a:t>
-              </a:r>
-              <a:r>
-                <a:rPr lang="en-US" altLang="zh-CN" sz="1200" dirty="0"/>
-                <a:t>String</a:t>
-              </a:r>
-              <a:r>
-                <a:rPr lang="zh-CN" altLang="en-US" sz="1200" dirty="0"/>
-                <a:t>值为</a:t>
-              </a:r>
-              <a:r>
-                <a:rPr lang="en-US" altLang="zh-CN" sz="1200" dirty="0" err="1"/>
-                <a:t>sql</a:t>
-              </a:r>
-              <a:r>
-                <a:rPr lang="zh-CN" altLang="en-US" sz="1200" dirty="0"/>
-                <a:t>查询语句</a:t>
-              </a:r>
-              <a:endParaRPr lang="en-US" altLang="zh-CN" sz="1200" dirty="0"/>
-            </a:p>
-            <a:p>
-              <a:r>
-                <a:rPr lang="zh-CN" altLang="en-US" sz="1200" dirty="0"/>
-                <a:t>返回查询的结果集</a:t>
-              </a:r>
-              <a:endParaRPr lang="en-US" altLang="zh-CN" sz="1200" dirty="0"/>
-            </a:p>
-            <a:p>
-              <a:endParaRPr lang="en-US" altLang="zh-CN" sz="1200" dirty="0"/>
-            </a:p>
-            <a:p>
-              <a:r>
-                <a:rPr lang="zh-CN" altLang="en-US" sz="1200" dirty="0"/>
-                <a:t>之后如果哪些查询使用较频繁也可以直接写</a:t>
-              </a:r>
-              <a:endParaRPr lang="en-US" altLang="zh-CN" sz="1200" dirty="0"/>
-            </a:p>
-            <a:p>
-              <a:r>
-                <a:rPr lang="zh-CN" altLang="en-US" sz="1200" dirty="0"/>
-                <a:t>在这个部分</a:t>
-              </a:r>
-              <a:endParaRPr lang="en-US" altLang="zh-CN" sz="1200" dirty="0"/>
-            </a:p>
-            <a:p>
-              <a:r>
-                <a:rPr lang="en-US" altLang="zh-CN" sz="1200" dirty="0"/>
-                <a:t>------------------------------------</a:t>
-              </a:r>
-            </a:p>
-            <a:p>
-              <a:r>
-                <a:rPr lang="en-US" altLang="zh-CN" sz="1200" dirty="0">
-                  <a:solidFill>
-                    <a:srgbClr val="FF0000"/>
-                  </a:solidFill>
-                </a:rPr>
-                <a:t>Manipulate Method</a:t>
-              </a:r>
-            </a:p>
-            <a:p>
-              <a:r>
-                <a:rPr lang="zh-CN" altLang="en-US" sz="1200" dirty="0">
-                  <a:solidFill>
-                    <a:srgbClr val="FF0000"/>
-                  </a:solidFill>
-                </a:rPr>
-                <a:t>更改添加删除表和元组的方法</a:t>
-              </a:r>
-              <a:endParaRPr lang="en-US" altLang="zh-CN" sz="1200" dirty="0">
-                <a:solidFill>
-                  <a:srgbClr val="FF0000"/>
-                </a:solidFill>
-              </a:endParaRPr>
-            </a:p>
-            <a:p>
-              <a:r>
-                <a:rPr lang="en-US" altLang="zh-CN" sz="1200" dirty="0"/>
-                <a:t>------------------------------------</a:t>
-              </a:r>
-            </a:p>
-            <a:p>
-              <a:r>
-                <a:rPr lang="en-US" altLang="zh-CN" sz="1200" dirty="0"/>
-                <a:t>Void </a:t>
-              </a:r>
-              <a:r>
-                <a:rPr lang="en-US" altLang="zh-CN" sz="1200" dirty="0" err="1"/>
-                <a:t>creat</a:t>
-              </a:r>
-              <a:r>
-                <a:rPr lang="en-US" altLang="zh-CN" sz="1200" dirty="0"/>
-                <a:t>(String </a:t>
-              </a:r>
-              <a:r>
-                <a:rPr lang="en-US" altLang="zh-CN" sz="1200" dirty="0" err="1"/>
-                <a:t>sql</a:t>
-              </a:r>
-              <a:r>
-                <a:rPr lang="en-US" altLang="zh-CN" sz="1200" dirty="0"/>
-                <a:t>)</a:t>
-              </a:r>
-            </a:p>
-            <a:p>
-              <a:r>
-                <a:rPr lang="zh-CN" altLang="en-US" sz="1200" dirty="0"/>
-                <a:t>创建表</a:t>
-              </a:r>
-              <a:endParaRPr lang="en-US" altLang="zh-CN" sz="1200" dirty="0"/>
-            </a:p>
-            <a:p>
-              <a:r>
-                <a:rPr lang="en-US" altLang="zh-CN" sz="1200" dirty="0"/>
-                <a:t>Void manipulate(String </a:t>
-              </a:r>
-              <a:r>
-                <a:rPr lang="en-US" altLang="zh-CN" sz="1200" dirty="0" err="1"/>
-                <a:t>sql</a:t>
-              </a:r>
-              <a:r>
-                <a:rPr lang="en-US" altLang="zh-CN" sz="1200" dirty="0"/>
-                <a:t>)</a:t>
-              </a:r>
-            </a:p>
-            <a:p>
-              <a:r>
-                <a:rPr lang="zh-CN" altLang="en-US" sz="1200" dirty="0"/>
-                <a:t>更改表</a:t>
-              </a:r>
-              <a:endParaRPr lang="en-US" altLang="zh-CN" sz="1200" dirty="0"/>
-            </a:p>
-            <a:p>
-              <a:r>
-                <a:rPr lang="en-US" altLang="zh-CN" sz="1200" dirty="0"/>
-                <a:t>Void insert(String </a:t>
-              </a:r>
-              <a:r>
-                <a:rPr lang="en-US" altLang="zh-CN" sz="1200" dirty="0" err="1"/>
-                <a:t>sql</a:t>
-              </a:r>
-              <a:r>
-                <a:rPr lang="en-US" altLang="zh-CN" sz="1200" dirty="0"/>
-                <a:t>)</a:t>
-              </a:r>
-            </a:p>
-            <a:p>
-              <a:r>
-                <a:rPr lang="zh-CN" altLang="en-US" sz="1200" dirty="0"/>
-                <a:t>插入元组</a:t>
-              </a:r>
-              <a:endParaRPr lang="en-US" altLang="zh-CN" sz="1200" dirty="0"/>
-            </a:p>
-          </p:txBody>
-        </p:sp>
-      </p:grpSp>
-      <p:grpSp>
-        <p:nvGrpSpPr>
-          <p:cNvPr id="12" name="组合 11">
-            <a:extLst>
-              <a:ext uri="{FF2B5EF4-FFF2-40B4-BE49-F238E27FC236}">
-                <a16:creationId xmlns:a16="http://schemas.microsoft.com/office/drawing/2014/main" id="{4E1F9887-97B7-4B8E-A523-FE80B9EBE2A6}"/>
-              </a:ext>
-            </a:extLst>
-          </p:cNvPr>
-          <p:cNvGrpSpPr/>
-          <p:nvPr/>
-        </p:nvGrpSpPr>
-        <p:grpSpPr>
-          <a:xfrm>
-            <a:off x="8129947" y="615517"/>
-            <a:ext cx="3272204" cy="6101806"/>
-            <a:chOff x="7738814" y="615517"/>
-            <a:chExt cx="3272204" cy="6101806"/>
-          </a:xfrm>
-        </p:grpSpPr>
-        <p:sp>
-          <p:nvSpPr>
-            <p:cNvPr id="13" name="矩形: 圆角 12">
-              <a:extLst>
-                <a:ext uri="{FF2B5EF4-FFF2-40B4-BE49-F238E27FC236}">
-                  <a16:creationId xmlns:a16="http://schemas.microsoft.com/office/drawing/2014/main" id="{B1C1262A-0649-40E6-BD25-8B89B0F62144}"/>
-                </a:ext>
-              </a:extLst>
-            </p:cNvPr>
-            <p:cNvSpPr/>
-            <p:nvPr/>
-          </p:nvSpPr>
-          <p:spPr>
-            <a:xfrm>
-              <a:off x="7738814" y="615517"/>
-              <a:ext cx="3272204" cy="6101806"/>
-            </a:xfrm>
-            <a:prstGeom prst="roundRect">
-              <a:avLst/>
-            </a:prstGeom>
-            <a:noFill/>
-            <a:ln w="19050"/>
-          </p:spPr>
-          <p:style>
-            <a:lnRef idx="2">
-              <a:schemeClr val="accent1">
-                <a:shade val="50000"/>
-              </a:schemeClr>
-            </a:lnRef>
-            <a:fillRef idx="1">
-              <a:schemeClr val="accent1"/>
-            </a:fillRef>
-            <a:effectRef idx="0">
-              <a:schemeClr val="accent1"/>
-            </a:effectRef>
-            <a:fontRef idx="minor">
-              <a:schemeClr val="lt1"/>
-            </a:fontRef>
-          </p:style>
-          <p:txBody>
-            <a:bodyPr rtlCol="0" anchor="ctr"/>
-            <a:lstStyle/>
-            <a:p>
-              <a:pPr algn="ctr"/>
-              <a:endParaRPr lang="zh-CN" altLang="en-US"/>
-            </a:p>
-          </p:txBody>
-        </p:sp>
-        <p:sp>
-          <p:nvSpPr>
-            <p:cNvPr id="14" name="文本框 13">
-              <a:extLst>
-                <a:ext uri="{FF2B5EF4-FFF2-40B4-BE49-F238E27FC236}">
-                  <a16:creationId xmlns:a16="http://schemas.microsoft.com/office/drawing/2014/main" id="{7BB4E28E-98B2-4E01-9E2B-EF0F36FB8DEB}"/>
-                </a:ext>
-              </a:extLst>
-            </p:cNvPr>
-            <p:cNvSpPr txBox="1"/>
-            <p:nvPr/>
-          </p:nvSpPr>
-          <p:spPr>
-            <a:xfrm>
-              <a:off x="8889847" y="747346"/>
-              <a:ext cx="970137" cy="369332"/>
-            </a:xfrm>
-            <a:prstGeom prst="rect">
-              <a:avLst/>
-            </a:prstGeom>
-            <a:noFill/>
-          </p:spPr>
-          <p:txBody>
-            <a:bodyPr wrap="none" rtlCol="0">
-              <a:spAutoFit/>
-            </a:bodyPr>
-            <a:lstStyle/>
-            <a:p>
-              <a:r>
-                <a:rPr lang="en-US" altLang="zh-CN" dirty="0"/>
-                <a:t>Method</a:t>
-              </a:r>
-              <a:endParaRPr lang="zh-CN" altLang="en-US" dirty="0"/>
-            </a:p>
-          </p:txBody>
-        </p:sp>
-        <p:sp>
-          <p:nvSpPr>
-            <p:cNvPr id="15" name="文本框 14">
-              <a:extLst>
-                <a:ext uri="{FF2B5EF4-FFF2-40B4-BE49-F238E27FC236}">
-                  <a16:creationId xmlns:a16="http://schemas.microsoft.com/office/drawing/2014/main" id="{C5038217-D859-4F12-AE58-60A05E5334D8}"/>
-                </a:ext>
-              </a:extLst>
-            </p:cNvPr>
-            <p:cNvSpPr txBox="1"/>
-            <p:nvPr/>
-          </p:nvSpPr>
-          <p:spPr>
-            <a:xfrm>
-              <a:off x="7902475" y="1134318"/>
-              <a:ext cx="2954655" cy="1569660"/>
-            </a:xfrm>
-            <a:prstGeom prst="rect">
-              <a:avLst/>
-            </a:prstGeom>
-            <a:noFill/>
-          </p:spPr>
-          <p:txBody>
-            <a:bodyPr wrap="none" rtlCol="0">
-              <a:spAutoFit/>
-            </a:bodyPr>
-            <a:lstStyle/>
-            <a:p>
-              <a:r>
-                <a:rPr lang="en-US" altLang="zh-CN" sz="1200" dirty="0"/>
-                <a:t>Void delete(String </a:t>
-              </a:r>
-              <a:r>
-                <a:rPr lang="en-US" altLang="zh-CN" sz="1200" dirty="0" err="1"/>
-                <a:t>sql</a:t>
-              </a:r>
-              <a:r>
-                <a:rPr lang="en-US" altLang="zh-CN" sz="1200" dirty="0"/>
-                <a:t>)</a:t>
-              </a:r>
-            </a:p>
-            <a:p>
-              <a:r>
-                <a:rPr lang="zh-CN" altLang="en-US" sz="1200" dirty="0"/>
-                <a:t>删除元组</a:t>
-              </a:r>
-              <a:endParaRPr lang="en-US" altLang="zh-CN" sz="1200" dirty="0"/>
-            </a:p>
-            <a:p>
-              <a:r>
-                <a:rPr lang="en-US" altLang="zh-CN" sz="1200" dirty="0"/>
-                <a:t>------------------------------------</a:t>
-              </a:r>
-            </a:p>
-            <a:p>
-              <a:r>
-                <a:rPr lang="en-US" altLang="zh-CN" sz="1200" dirty="0">
-                  <a:solidFill>
-                    <a:srgbClr val="FF0000"/>
-                  </a:solidFill>
-                </a:rPr>
-                <a:t>Tools Method</a:t>
-              </a:r>
-            </a:p>
-            <a:p>
-              <a:r>
-                <a:rPr lang="zh-CN" altLang="en-US" sz="1200" dirty="0">
-                  <a:solidFill>
-                    <a:srgbClr val="FF0000"/>
-                  </a:solidFill>
-                </a:rPr>
-                <a:t>工具方法，这个部分实现一些辅助方法</a:t>
-              </a:r>
-              <a:r>
-                <a:rPr lang="en-US" altLang="zh-CN" sz="1200" dirty="0">
-                  <a:solidFill>
-                    <a:srgbClr val="FF0000"/>
-                  </a:solidFill>
-                </a:rPr>
-                <a:t>,</a:t>
-              </a:r>
-            </a:p>
-            <a:p>
-              <a:r>
-                <a:rPr lang="zh-CN" altLang="en-US" sz="1200" dirty="0">
-                  <a:solidFill>
-                    <a:srgbClr val="FF0000"/>
-                  </a:solidFill>
-                </a:rPr>
-                <a:t>比如将输入转换为</a:t>
-              </a:r>
-              <a:r>
-                <a:rPr lang="en-US" altLang="zh-CN" sz="1200" dirty="0" err="1">
-                  <a:solidFill>
-                    <a:srgbClr val="FF0000"/>
-                  </a:solidFill>
-                </a:rPr>
-                <a:t>sql</a:t>
-              </a:r>
-              <a:r>
-                <a:rPr lang="zh-CN" altLang="en-US" sz="1200" dirty="0">
-                  <a:solidFill>
-                    <a:srgbClr val="FF0000"/>
-                  </a:solidFill>
-                </a:rPr>
-                <a:t>语句的格式</a:t>
-              </a:r>
-              <a:endParaRPr lang="en-US" altLang="zh-CN" sz="1200" dirty="0">
-                <a:solidFill>
-                  <a:srgbClr val="FF0000"/>
-                </a:solidFill>
-              </a:endParaRPr>
-            </a:p>
-            <a:p>
-              <a:r>
-                <a:rPr lang="en-US" altLang="zh-CN" sz="1200" dirty="0"/>
-                <a:t>------------------------------------</a:t>
-              </a:r>
-            </a:p>
-            <a:p>
-              <a:r>
-                <a:rPr lang="zh-CN" altLang="en-US" sz="1200" dirty="0"/>
-                <a:t>待定</a:t>
-              </a:r>
-              <a:endParaRPr lang="en-US" altLang="zh-CN" sz="1200" dirty="0"/>
-            </a:p>
-          </p:txBody>
-        </p:sp>
-      </p:grpSp>
-    </p:spTree>
-    <p:extLst>
-      <p:ext uri="{BB962C8B-B14F-4D97-AF65-F5344CB8AC3E}">
-        <p14:creationId xmlns:p14="http://schemas.microsoft.com/office/powerpoint/2010/main" val="2649698029"/>
-      </p:ext>
-    </p:extLst>
-  </p:cSld>
-  <p:clrMapOvr>
-    <a:masterClrMapping/>
-  </p:clrMapOvr>
-</p:sld>
-</file>
-
-<file path=ppt/slides/slide4.xml><?xml version="1.0" encoding="utf-8"?>
-<p:sld xmlns:a="http://schemas.openxmlformats.org/drawingml/2006/main" xmlns:r="http://schemas.openxmlformats.org/officeDocument/2006/relationships" xmlns:p="http://schemas.openxmlformats.org/presentationml/2006/main">
-  <p:cSld>
-    <p:spTree>
-      <p:nvGrpSpPr>
-        <p:cNvPr id="1" name=""/>
-        <p:cNvGrpSpPr/>
-        <p:nvPr/>
-      </p:nvGrpSpPr>
-      <p:grpSpPr>
-        <a:xfrm>
-          <a:off x="0" y="0"/>
-          <a:ext cx="0" cy="0"/>
-          <a:chOff x="0" y="0"/>
-          <a:chExt cx="0" cy="0"/>
-        </a:xfrm>
-      </p:grpSpPr>
-      <p:sp>
-        <p:nvSpPr>
-          <p:cNvPr id="4" name="矩形: 圆角 3">
-            <a:extLst>
-              <a:ext uri="{FF2B5EF4-FFF2-40B4-BE49-F238E27FC236}">
-                <a16:creationId xmlns:a16="http://schemas.microsoft.com/office/drawing/2014/main" id="{6E6590E5-84C4-4490-B1EC-F822E3D4ABA0}"/>
-              </a:ext>
-            </a:extLst>
-          </p:cNvPr>
-          <p:cNvSpPr/>
-          <p:nvPr/>
-        </p:nvSpPr>
-        <p:spPr>
-          <a:xfrm>
-            <a:off x="2020765" y="1090245"/>
+            <a:off x="2020765" y="1143511"/>
             <a:ext cx="8150469" cy="4202723"/>
           </a:xfrm>
           <a:prstGeom prst="roundRect">

--- a/说明文档相关资料/示意图.pptx
+++ b/说明文档相关资料/示意图.pptx
@@ -8,6 +8,8 @@
     <p:sldId id="256" r:id="rId2"/>
     <p:sldId id="257" r:id="rId3"/>
     <p:sldId id="259" r:id="rId4"/>
+    <p:sldId id="260" r:id="rId5"/>
+    <p:sldId id="261" r:id="rId6"/>
   </p:sldIdLst>
   <p:sldSz cx="12192000" cy="6858000"/>
   <p:notesSz cx="6858000" cy="9144000"/>
@@ -4623,57 +4625,675 @@
           <a:chExt cx="0" cy="0"/>
         </a:xfrm>
       </p:grpSpPr>
-      <p:sp>
-        <p:nvSpPr>
-          <p:cNvPr id="4" name="矩形: 圆角 3">
-            <a:extLst>
-              <a:ext uri="{FF2B5EF4-FFF2-40B4-BE49-F238E27FC236}">
-                <a16:creationId xmlns:a16="http://schemas.microsoft.com/office/drawing/2014/main" id="{6E6590E5-84C4-4490-B1EC-F822E3D4ABA0}"/>
-              </a:ext>
-            </a:extLst>
-          </p:cNvPr>
-          <p:cNvSpPr/>
+      <p:grpSp>
+        <p:nvGrpSpPr>
+          <p:cNvPr id="8" name="组合 7">
+            <a:extLst>
+              <a:ext uri="{FF2B5EF4-FFF2-40B4-BE49-F238E27FC236}">
+                <a16:creationId xmlns:a16="http://schemas.microsoft.com/office/drawing/2014/main" id="{B9E90D7F-0F8D-49BF-85C6-92E78F42B3B7}"/>
+              </a:ext>
+            </a:extLst>
+          </p:cNvPr>
+          <p:cNvGrpSpPr/>
           <p:nvPr/>
-        </p:nvSpPr>
-        <p:spPr>
+        </p:nvGrpSpPr>
+        <p:grpSpPr>
           <a:xfrm>
             <a:off x="2020765" y="1143511"/>
             <a:ext cx="8150469" cy="4202723"/>
+            <a:chOff x="2020765" y="1143511"/>
+            <a:chExt cx="8150469" cy="4202723"/>
           </a:xfrm>
-          <a:prstGeom prst="roundRect">
-            <a:avLst/>
-          </a:prstGeom>
-          <a:noFill/>
-        </p:spPr>
-        <p:style>
-          <a:lnRef idx="2">
-            <a:schemeClr val="accent1">
-              <a:shade val="50000"/>
-            </a:schemeClr>
-          </a:lnRef>
-          <a:fillRef idx="1">
-            <a:schemeClr val="accent1"/>
-          </a:fillRef>
-          <a:effectRef idx="0">
-            <a:schemeClr val="accent1"/>
-          </a:effectRef>
-          <a:fontRef idx="minor">
-            <a:schemeClr val="lt1"/>
-          </a:fontRef>
-        </p:style>
-        <p:txBody>
-          <a:bodyPr rtlCol="0" anchor="ctr"/>
-          <a:lstStyle/>
-          <a:p>
-            <a:pPr algn="ctr"/>
-            <a:endParaRPr lang="zh-CN" altLang="en-US"/>
-          </a:p>
-        </p:txBody>
-      </p:sp>
+        </p:grpSpPr>
+        <p:sp>
+          <p:nvSpPr>
+            <p:cNvPr id="4" name="矩形: 圆角 3">
+              <a:extLst>
+                <a:ext uri="{FF2B5EF4-FFF2-40B4-BE49-F238E27FC236}">
+                  <a16:creationId xmlns:a16="http://schemas.microsoft.com/office/drawing/2014/main" id="{6E6590E5-84C4-4490-B1EC-F822E3D4ABA0}"/>
+                </a:ext>
+              </a:extLst>
+            </p:cNvPr>
+            <p:cNvSpPr/>
+            <p:nvPr/>
+          </p:nvSpPr>
+          <p:spPr>
+            <a:xfrm>
+              <a:off x="2020765" y="1143511"/>
+              <a:ext cx="8150469" cy="4202723"/>
+            </a:xfrm>
+            <a:prstGeom prst="roundRect">
+              <a:avLst/>
+            </a:prstGeom>
+            <a:noFill/>
+          </p:spPr>
+          <p:style>
+            <a:lnRef idx="2">
+              <a:schemeClr val="accent1">
+                <a:shade val="50000"/>
+              </a:schemeClr>
+            </a:lnRef>
+            <a:fillRef idx="1">
+              <a:schemeClr val="accent1"/>
+            </a:fillRef>
+            <a:effectRef idx="0">
+              <a:schemeClr val="accent1"/>
+            </a:effectRef>
+            <a:fontRef idx="minor">
+              <a:schemeClr val="lt1"/>
+            </a:fontRef>
+          </p:style>
+          <p:txBody>
+            <a:bodyPr rtlCol="0" anchor="ctr"/>
+            <a:lstStyle/>
+            <a:p>
+              <a:pPr algn="ctr"/>
+              <a:endParaRPr lang="zh-CN" altLang="en-US"/>
+            </a:p>
+          </p:txBody>
+        </p:sp>
+        <p:sp>
+          <p:nvSpPr>
+            <p:cNvPr id="2" name="文本框 1">
+              <a:extLst>
+                <a:ext uri="{FF2B5EF4-FFF2-40B4-BE49-F238E27FC236}">
+                  <a16:creationId xmlns:a16="http://schemas.microsoft.com/office/drawing/2014/main" id="{710973DD-DFF1-4115-81A0-7017A2B02C0B}"/>
+                </a:ext>
+              </a:extLst>
+            </p:cNvPr>
+            <p:cNvSpPr txBox="1"/>
+            <p:nvPr/>
+          </p:nvSpPr>
+          <p:spPr>
+            <a:xfrm>
+              <a:off x="5090266" y="2783207"/>
+              <a:ext cx="1869423" cy="923330"/>
+            </a:xfrm>
+            <a:prstGeom prst="rect">
+              <a:avLst/>
+            </a:prstGeom>
+            <a:noFill/>
+          </p:spPr>
+          <p:txBody>
+            <a:bodyPr wrap="none" rtlCol="0">
+              <a:spAutoFit/>
+            </a:bodyPr>
+            <a:lstStyle/>
+            <a:p>
+              <a:pPr marL="342900" indent="-342900">
+                <a:buAutoNum type="arabicPeriod"/>
+              </a:pPr>
+              <a:r>
+                <a:rPr lang="en-US" altLang="zh-CN" dirty="0"/>
+                <a:t>Login</a:t>
+              </a:r>
+            </a:p>
+            <a:p>
+              <a:pPr marL="342900" indent="-342900">
+                <a:buAutoNum type="arabicPeriod"/>
+              </a:pPr>
+              <a:r>
+                <a:rPr lang="en-US" altLang="zh-CN" dirty="0"/>
+                <a:t>Login(Admin)</a:t>
+              </a:r>
+            </a:p>
+            <a:p>
+              <a:pPr marL="342900" indent="-342900">
+                <a:buAutoNum type="arabicPeriod"/>
+              </a:pPr>
+              <a:r>
+                <a:rPr lang="en-US" altLang="zh-CN" dirty="0"/>
+                <a:t>Sign up</a:t>
+              </a:r>
+              <a:endParaRPr lang="zh-CN" altLang="en-US" dirty="0"/>
+            </a:p>
+          </p:txBody>
+        </p:sp>
+        <p:cxnSp>
+          <p:nvCxnSpPr>
+            <p:cNvPr id="5" name="直接连接符 4">
+              <a:extLst>
+                <a:ext uri="{FF2B5EF4-FFF2-40B4-BE49-F238E27FC236}">
+                  <a16:creationId xmlns:a16="http://schemas.microsoft.com/office/drawing/2014/main" id="{7AA54E05-D561-4915-94EE-EE724E0B17C6}"/>
+                </a:ext>
+              </a:extLst>
+            </p:cNvPr>
+            <p:cNvCxnSpPr>
+              <a:cxnSpLocks/>
+            </p:cNvCxnSpPr>
+            <p:nvPr/>
+          </p:nvCxnSpPr>
+          <p:spPr>
+            <a:xfrm>
+              <a:off x="2020765" y="1935332"/>
+              <a:ext cx="8150469" cy="0"/>
+            </a:xfrm>
+            <a:prstGeom prst="line">
+              <a:avLst/>
+            </a:prstGeom>
+          </p:spPr>
+          <p:style>
+            <a:lnRef idx="1">
+              <a:schemeClr val="accent1"/>
+            </a:lnRef>
+            <a:fillRef idx="0">
+              <a:schemeClr val="accent1"/>
+            </a:fillRef>
+            <a:effectRef idx="0">
+              <a:schemeClr val="accent1"/>
+            </a:effectRef>
+            <a:fontRef idx="minor">
+              <a:schemeClr val="tx1"/>
+            </a:fontRef>
+          </p:style>
+        </p:cxnSp>
+        <p:sp>
+          <p:nvSpPr>
+            <p:cNvPr id="7" name="文本框 6">
+              <a:extLst>
+                <a:ext uri="{FF2B5EF4-FFF2-40B4-BE49-F238E27FC236}">
+                  <a16:creationId xmlns:a16="http://schemas.microsoft.com/office/drawing/2014/main" id="{1479A6B9-6563-453A-A32E-58FBCF5BDD52}"/>
+                </a:ext>
+              </a:extLst>
+            </p:cNvPr>
+            <p:cNvSpPr txBox="1"/>
+            <p:nvPr/>
+          </p:nvSpPr>
+          <p:spPr>
+            <a:xfrm>
+              <a:off x="5589115" y="1434655"/>
+              <a:ext cx="599844" cy="369332"/>
+            </a:xfrm>
+            <a:prstGeom prst="rect">
+              <a:avLst/>
+            </a:prstGeom>
+            <a:noFill/>
+          </p:spPr>
+          <p:txBody>
+            <a:bodyPr wrap="none" rtlCol="0">
+              <a:spAutoFit/>
+            </a:bodyPr>
+            <a:lstStyle/>
+            <a:p>
+              <a:r>
+                <a:rPr lang="en-US" altLang="zh-CN" dirty="0"/>
+                <a:t>Title</a:t>
+              </a:r>
+              <a:endParaRPr lang="zh-CN" altLang="en-US" dirty="0"/>
+            </a:p>
+          </p:txBody>
+        </p:sp>
+      </p:grpSp>
     </p:spTree>
     <p:extLst>
       <p:ext uri="{BB962C8B-B14F-4D97-AF65-F5344CB8AC3E}">
         <p14:creationId xmlns:p14="http://schemas.microsoft.com/office/powerpoint/2010/main" val="2539657477"/>
+      </p:ext>
+    </p:extLst>
+  </p:cSld>
+  <p:clrMapOvr>
+    <a:masterClrMapping/>
+  </p:clrMapOvr>
+</p:sld>
+</file>
+
+<file path=ppt/slides/slide4.xml><?xml version="1.0" encoding="utf-8"?>
+<p:sld xmlns:a="http://schemas.openxmlformats.org/drawingml/2006/main" xmlns:r="http://schemas.openxmlformats.org/officeDocument/2006/relationships" xmlns:p="http://schemas.openxmlformats.org/presentationml/2006/main">
+  <p:cSld>
+    <p:spTree>
+      <p:nvGrpSpPr>
+        <p:cNvPr id="1" name=""/>
+        <p:cNvGrpSpPr/>
+        <p:nvPr/>
+      </p:nvGrpSpPr>
+      <p:grpSpPr>
+        <a:xfrm>
+          <a:off x="0" y="0"/>
+          <a:ext cx="0" cy="0"/>
+          <a:chOff x="0" y="0"/>
+          <a:chExt cx="0" cy="0"/>
+        </a:xfrm>
+      </p:grpSpPr>
+      <p:grpSp>
+        <p:nvGrpSpPr>
+          <p:cNvPr id="4" name="组合 3">
+            <a:extLst>
+              <a:ext uri="{FF2B5EF4-FFF2-40B4-BE49-F238E27FC236}">
+                <a16:creationId xmlns:a16="http://schemas.microsoft.com/office/drawing/2014/main" id="{0ECAA6CF-482B-43AF-B6E8-2009E7EC1091}"/>
+              </a:ext>
+            </a:extLst>
+          </p:cNvPr>
+          <p:cNvGrpSpPr/>
+          <p:nvPr/>
+        </p:nvGrpSpPr>
+        <p:grpSpPr>
+          <a:xfrm>
+            <a:off x="2020765" y="1143511"/>
+            <a:ext cx="8150469" cy="4202723"/>
+            <a:chOff x="2020765" y="1143511"/>
+            <a:chExt cx="8150469" cy="4202723"/>
+          </a:xfrm>
+        </p:grpSpPr>
+        <p:sp>
+          <p:nvSpPr>
+            <p:cNvPr id="5" name="矩形: 圆角 4">
+              <a:extLst>
+                <a:ext uri="{FF2B5EF4-FFF2-40B4-BE49-F238E27FC236}">
+                  <a16:creationId xmlns:a16="http://schemas.microsoft.com/office/drawing/2014/main" id="{7F55E645-D471-4CF6-A3F0-74C3F0149FB8}"/>
+                </a:ext>
+              </a:extLst>
+            </p:cNvPr>
+            <p:cNvSpPr/>
+            <p:nvPr/>
+          </p:nvSpPr>
+          <p:spPr>
+            <a:xfrm>
+              <a:off x="2020765" y="1143511"/>
+              <a:ext cx="8150469" cy="4202723"/>
+            </a:xfrm>
+            <a:prstGeom prst="roundRect">
+              <a:avLst/>
+            </a:prstGeom>
+            <a:noFill/>
+          </p:spPr>
+          <p:style>
+            <a:lnRef idx="2">
+              <a:schemeClr val="accent1">
+                <a:shade val="50000"/>
+              </a:schemeClr>
+            </a:lnRef>
+            <a:fillRef idx="1">
+              <a:schemeClr val="accent1"/>
+            </a:fillRef>
+            <a:effectRef idx="0">
+              <a:schemeClr val="accent1"/>
+            </a:effectRef>
+            <a:fontRef idx="minor">
+              <a:schemeClr val="lt1"/>
+            </a:fontRef>
+          </p:style>
+          <p:txBody>
+            <a:bodyPr rtlCol="0" anchor="ctr"/>
+            <a:lstStyle/>
+            <a:p>
+              <a:pPr algn="ctr"/>
+              <a:endParaRPr lang="zh-CN" altLang="en-US"/>
+            </a:p>
+          </p:txBody>
+        </p:sp>
+        <p:sp>
+          <p:nvSpPr>
+            <p:cNvPr id="6" name="文本框 5">
+              <a:extLst>
+                <a:ext uri="{FF2B5EF4-FFF2-40B4-BE49-F238E27FC236}">
+                  <a16:creationId xmlns:a16="http://schemas.microsoft.com/office/drawing/2014/main" id="{A15B47BC-612A-4169-A4A7-BE6030130DA7}"/>
+                </a:ext>
+              </a:extLst>
+            </p:cNvPr>
+            <p:cNvSpPr txBox="1"/>
+            <p:nvPr/>
+          </p:nvSpPr>
+          <p:spPr>
+            <a:xfrm>
+              <a:off x="3936169" y="2727154"/>
+              <a:ext cx="1409360" cy="646331"/>
+            </a:xfrm>
+            <a:prstGeom prst="rect">
+              <a:avLst/>
+            </a:prstGeom>
+            <a:noFill/>
+          </p:spPr>
+          <p:txBody>
+            <a:bodyPr wrap="none" rtlCol="0">
+              <a:spAutoFit/>
+            </a:bodyPr>
+            <a:lstStyle/>
+            <a:p>
+              <a:r>
+                <a:rPr lang="en-US" altLang="zh-CN" dirty="0"/>
+                <a:t>1. User ID:</a:t>
+              </a:r>
+            </a:p>
+            <a:p>
+              <a:r>
+                <a:rPr lang="en-US" altLang="zh-CN" dirty="0"/>
+                <a:t>2. Password:</a:t>
+              </a:r>
+              <a:endParaRPr lang="zh-CN" altLang="en-US" dirty="0"/>
+            </a:p>
+          </p:txBody>
+        </p:sp>
+        <p:cxnSp>
+          <p:nvCxnSpPr>
+            <p:cNvPr id="7" name="直接连接符 6">
+              <a:extLst>
+                <a:ext uri="{FF2B5EF4-FFF2-40B4-BE49-F238E27FC236}">
+                  <a16:creationId xmlns:a16="http://schemas.microsoft.com/office/drawing/2014/main" id="{822D1896-C3DE-4172-AC49-FF4D4BCA3906}"/>
+                </a:ext>
+              </a:extLst>
+            </p:cNvPr>
+            <p:cNvCxnSpPr>
+              <a:cxnSpLocks/>
+            </p:cNvCxnSpPr>
+            <p:nvPr/>
+          </p:nvCxnSpPr>
+          <p:spPr>
+            <a:xfrm>
+              <a:off x="2020765" y="1935332"/>
+              <a:ext cx="8150469" cy="0"/>
+            </a:xfrm>
+            <a:prstGeom prst="line">
+              <a:avLst/>
+            </a:prstGeom>
+          </p:spPr>
+          <p:style>
+            <a:lnRef idx="1">
+              <a:schemeClr val="accent1"/>
+            </a:lnRef>
+            <a:fillRef idx="0">
+              <a:schemeClr val="accent1"/>
+            </a:fillRef>
+            <a:effectRef idx="0">
+              <a:schemeClr val="accent1"/>
+            </a:effectRef>
+            <a:fontRef idx="minor">
+              <a:schemeClr val="tx1"/>
+            </a:fontRef>
+          </p:style>
+        </p:cxnSp>
+        <p:sp>
+          <p:nvSpPr>
+            <p:cNvPr id="8" name="文本框 7">
+              <a:extLst>
+                <a:ext uri="{FF2B5EF4-FFF2-40B4-BE49-F238E27FC236}">
+                  <a16:creationId xmlns:a16="http://schemas.microsoft.com/office/drawing/2014/main" id="{11830A7D-1AF4-4A2E-9380-BF11620058CB}"/>
+                </a:ext>
+              </a:extLst>
+            </p:cNvPr>
+            <p:cNvSpPr txBox="1"/>
+            <p:nvPr/>
+          </p:nvSpPr>
+          <p:spPr>
+            <a:xfrm>
+              <a:off x="5589115" y="1434655"/>
+              <a:ext cx="736099" cy="369332"/>
+            </a:xfrm>
+            <a:prstGeom prst="rect">
+              <a:avLst/>
+            </a:prstGeom>
+            <a:noFill/>
+          </p:spPr>
+          <p:txBody>
+            <a:bodyPr wrap="none" rtlCol="0">
+              <a:spAutoFit/>
+            </a:bodyPr>
+            <a:lstStyle/>
+            <a:p>
+              <a:r>
+                <a:rPr lang="en-US" altLang="zh-CN" dirty="0"/>
+                <a:t>Login</a:t>
+              </a:r>
+              <a:endParaRPr lang="zh-CN" altLang="en-US" dirty="0"/>
+            </a:p>
+          </p:txBody>
+        </p:sp>
+      </p:grpSp>
+    </p:spTree>
+    <p:extLst>
+      <p:ext uri="{BB962C8B-B14F-4D97-AF65-F5344CB8AC3E}">
+        <p14:creationId xmlns:p14="http://schemas.microsoft.com/office/powerpoint/2010/main" val="2351177227"/>
+      </p:ext>
+    </p:extLst>
+  </p:cSld>
+  <p:clrMapOvr>
+    <a:masterClrMapping/>
+  </p:clrMapOvr>
+</p:sld>
+</file>
+
+<file path=ppt/slides/slide5.xml><?xml version="1.0" encoding="utf-8"?>
+<p:sld xmlns:a="http://schemas.openxmlformats.org/drawingml/2006/main" xmlns:r="http://schemas.openxmlformats.org/officeDocument/2006/relationships" xmlns:p="http://schemas.openxmlformats.org/presentationml/2006/main">
+  <p:cSld>
+    <p:spTree>
+      <p:nvGrpSpPr>
+        <p:cNvPr id="1" name=""/>
+        <p:cNvGrpSpPr/>
+        <p:nvPr/>
+      </p:nvGrpSpPr>
+      <p:grpSpPr>
+        <a:xfrm>
+          <a:off x="0" y="0"/>
+          <a:ext cx="0" cy="0"/>
+          <a:chOff x="0" y="0"/>
+          <a:chExt cx="0" cy="0"/>
+        </a:xfrm>
+      </p:grpSpPr>
+      <p:grpSp>
+        <p:nvGrpSpPr>
+          <p:cNvPr id="4" name="组合 3">
+            <a:extLst>
+              <a:ext uri="{FF2B5EF4-FFF2-40B4-BE49-F238E27FC236}">
+                <a16:creationId xmlns:a16="http://schemas.microsoft.com/office/drawing/2014/main" id="{B1881F5F-6397-49B1-A71B-FF896A101896}"/>
+              </a:ext>
+            </a:extLst>
+          </p:cNvPr>
+          <p:cNvGrpSpPr/>
+          <p:nvPr/>
+        </p:nvGrpSpPr>
+        <p:grpSpPr>
+          <a:xfrm>
+            <a:off x="2020765" y="1143511"/>
+            <a:ext cx="8150469" cy="4202723"/>
+            <a:chOff x="2020765" y="1143511"/>
+            <a:chExt cx="8150469" cy="4202723"/>
+          </a:xfrm>
+        </p:grpSpPr>
+        <p:sp>
+          <p:nvSpPr>
+            <p:cNvPr id="5" name="矩形: 圆角 4">
+              <a:extLst>
+                <a:ext uri="{FF2B5EF4-FFF2-40B4-BE49-F238E27FC236}">
+                  <a16:creationId xmlns:a16="http://schemas.microsoft.com/office/drawing/2014/main" id="{801376EF-EFC1-4489-96ED-82E9E3993743}"/>
+                </a:ext>
+              </a:extLst>
+            </p:cNvPr>
+            <p:cNvSpPr/>
+            <p:nvPr/>
+          </p:nvSpPr>
+          <p:spPr>
+            <a:xfrm>
+              <a:off x="2020765" y="1143511"/>
+              <a:ext cx="8150469" cy="4202723"/>
+            </a:xfrm>
+            <a:prstGeom prst="roundRect">
+              <a:avLst/>
+            </a:prstGeom>
+            <a:noFill/>
+          </p:spPr>
+          <p:style>
+            <a:lnRef idx="2">
+              <a:schemeClr val="accent1">
+                <a:shade val="50000"/>
+              </a:schemeClr>
+            </a:lnRef>
+            <a:fillRef idx="1">
+              <a:schemeClr val="accent1"/>
+            </a:fillRef>
+            <a:effectRef idx="0">
+              <a:schemeClr val="accent1"/>
+            </a:effectRef>
+            <a:fontRef idx="minor">
+              <a:schemeClr val="lt1"/>
+            </a:fontRef>
+          </p:style>
+          <p:txBody>
+            <a:bodyPr rtlCol="0" anchor="ctr"/>
+            <a:lstStyle/>
+            <a:p>
+              <a:pPr algn="ctr"/>
+              <a:endParaRPr lang="zh-CN" altLang="en-US"/>
+            </a:p>
+          </p:txBody>
+        </p:sp>
+        <p:sp>
+          <p:nvSpPr>
+            <p:cNvPr id="6" name="文本框 5">
+              <a:extLst>
+                <a:ext uri="{FF2B5EF4-FFF2-40B4-BE49-F238E27FC236}">
+                  <a16:creationId xmlns:a16="http://schemas.microsoft.com/office/drawing/2014/main" id="{241F809C-542C-44A8-B201-128F85862A3A}"/>
+                </a:ext>
+              </a:extLst>
+            </p:cNvPr>
+            <p:cNvSpPr txBox="1"/>
+            <p:nvPr/>
+          </p:nvSpPr>
+          <p:spPr>
+            <a:xfrm>
+              <a:off x="3974570" y="2539941"/>
+              <a:ext cx="1614545" cy="1754326"/>
+            </a:xfrm>
+            <a:prstGeom prst="rect">
+              <a:avLst/>
+            </a:prstGeom>
+            <a:noFill/>
+          </p:spPr>
+          <p:txBody>
+            <a:bodyPr wrap="none" rtlCol="0">
+              <a:spAutoFit/>
+            </a:bodyPr>
+            <a:lstStyle/>
+            <a:p>
+              <a:pPr marL="342900" indent="-342900">
+                <a:buAutoNum type="arabicPeriod"/>
+              </a:pPr>
+              <a:r>
+                <a:rPr lang="en-US" altLang="zh-CN" dirty="0"/>
+                <a:t>*User ID:</a:t>
+              </a:r>
+            </a:p>
+            <a:p>
+              <a:pPr marL="342900" indent="-342900">
+                <a:buAutoNum type="arabicPeriod"/>
+              </a:pPr>
+              <a:r>
+                <a:rPr lang="en-US" altLang="zh-CN" dirty="0"/>
+                <a:t>*Password:</a:t>
+              </a:r>
+            </a:p>
+            <a:p>
+              <a:pPr marL="342900" indent="-342900">
+                <a:buAutoNum type="arabicPeriod"/>
+              </a:pPr>
+              <a:r>
+                <a:rPr lang="en-US" altLang="zh-CN" dirty="0"/>
+                <a:t>Name:</a:t>
+              </a:r>
+            </a:p>
+            <a:p>
+              <a:pPr marL="342900" indent="-342900">
+                <a:buAutoNum type="arabicPeriod"/>
+              </a:pPr>
+              <a:r>
+                <a:rPr lang="en-US" altLang="zh-CN" dirty="0"/>
+                <a:t>Gender:</a:t>
+              </a:r>
+            </a:p>
+            <a:p>
+              <a:pPr marL="342900" indent="-342900">
+                <a:buAutoNum type="arabicPeriod"/>
+              </a:pPr>
+              <a:r>
+                <a:rPr lang="en-US" altLang="zh-CN" dirty="0"/>
+                <a:t>Address:</a:t>
+              </a:r>
+            </a:p>
+            <a:p>
+              <a:pPr marL="342900" indent="-342900">
+                <a:buAutoNum type="arabicPeriod"/>
+              </a:pPr>
+              <a:endParaRPr lang="en-US" altLang="zh-CN" dirty="0"/>
+            </a:p>
+          </p:txBody>
+        </p:sp>
+        <p:cxnSp>
+          <p:nvCxnSpPr>
+            <p:cNvPr id="7" name="直接连接符 6">
+              <a:extLst>
+                <a:ext uri="{FF2B5EF4-FFF2-40B4-BE49-F238E27FC236}">
+                  <a16:creationId xmlns:a16="http://schemas.microsoft.com/office/drawing/2014/main" id="{021D271A-6C73-4531-B2F0-E3C70A706732}"/>
+                </a:ext>
+              </a:extLst>
+            </p:cNvPr>
+            <p:cNvCxnSpPr>
+              <a:cxnSpLocks/>
+            </p:cNvCxnSpPr>
+            <p:nvPr/>
+          </p:nvCxnSpPr>
+          <p:spPr>
+            <a:xfrm>
+              <a:off x="2020765" y="1935332"/>
+              <a:ext cx="8150469" cy="0"/>
+            </a:xfrm>
+            <a:prstGeom prst="line">
+              <a:avLst/>
+            </a:prstGeom>
+          </p:spPr>
+          <p:style>
+            <a:lnRef idx="1">
+              <a:schemeClr val="accent1"/>
+            </a:lnRef>
+            <a:fillRef idx="0">
+              <a:schemeClr val="accent1"/>
+            </a:fillRef>
+            <a:effectRef idx="0">
+              <a:schemeClr val="accent1"/>
+            </a:effectRef>
+            <a:fontRef idx="minor">
+              <a:schemeClr val="tx1"/>
+            </a:fontRef>
+          </p:style>
+        </p:cxnSp>
+        <p:sp>
+          <p:nvSpPr>
+            <p:cNvPr id="8" name="文本框 7">
+              <a:extLst>
+                <a:ext uri="{FF2B5EF4-FFF2-40B4-BE49-F238E27FC236}">
+                  <a16:creationId xmlns:a16="http://schemas.microsoft.com/office/drawing/2014/main" id="{F84D3280-C97D-4C95-BD09-224384D09B36}"/>
+                </a:ext>
+              </a:extLst>
+            </p:cNvPr>
+            <p:cNvSpPr txBox="1"/>
+            <p:nvPr/>
+          </p:nvSpPr>
+          <p:spPr>
+            <a:xfrm>
+              <a:off x="5589115" y="1434655"/>
+              <a:ext cx="936475" cy="369332"/>
+            </a:xfrm>
+            <a:prstGeom prst="rect">
+              <a:avLst/>
+            </a:prstGeom>
+            <a:noFill/>
+          </p:spPr>
+          <p:txBody>
+            <a:bodyPr wrap="none" rtlCol="0">
+              <a:spAutoFit/>
+            </a:bodyPr>
+            <a:lstStyle/>
+            <a:p>
+              <a:r>
+                <a:rPr lang="en-US" altLang="zh-CN" dirty="0"/>
+                <a:t>Sign up</a:t>
+              </a:r>
+              <a:endParaRPr lang="zh-CN" altLang="en-US" dirty="0"/>
+            </a:p>
+          </p:txBody>
+        </p:sp>
+      </p:grpSp>
+    </p:spTree>
+    <p:extLst>
+      <p:ext uri="{BB962C8B-B14F-4D97-AF65-F5344CB8AC3E}">
+        <p14:creationId xmlns:p14="http://schemas.microsoft.com/office/powerpoint/2010/main" val="930587649"/>
       </p:ext>
     </p:extLst>
   </p:cSld>
